--- a/概要设计.pptx
+++ b/概要设计.pptx
@@ -3062,6 +3062,78 @@
       </p:grpSpPr>
       <p:sp>
         <p:nvSpPr>
+          <p:cNvPr id="13" name="标题 12"/>
+          <p:cNvSpPr>
+            <a:spLocks noGrp="1"/>
+          </p:cNvSpPr>
+          <p:nvPr>
+            <p:ph type="title"/>
+          </p:nvPr>
+        </p:nvSpPr>
+        <p:spPr>
+          <a:xfrm>
+            <a:off x="457200" y="274638"/>
+            <a:ext cx="8229600" cy="850106"/>
+          </a:xfrm>
+          <a:blipFill>
+            <a:blip r:embed="rId2" cstate="print"/>
+            <a:tile tx="0" ty="0" sx="100000" sy="100000" flip="none" algn="tl"/>
+          </a:blipFill>
+          <a:ln w="15875">
+            <a:solidFill>
+              <a:srgbClr val="C00000"/>
+            </a:solidFill>
+          </a:ln>
+        </p:spPr>
+        <p:txBody>
+          <a:bodyPr>
+            <a:normAutofit/>
+          </a:bodyPr>
+          <a:lstStyle/>
+          <a:p>
+            <a:r>
+              <a:rPr lang="zh-CN" altLang="en-US" sz="3600" dirty="0" smtClean="0">
+                <a:solidFill>
+                  <a:srgbClr val="C00000"/>
+                </a:solidFill>
+              </a:rPr>
+              <a:t>部署方式</a:t>
+            </a:r>
+            <a:endParaRPr lang="zh-CN" altLang="en-US" sz="3600" dirty="0">
+              <a:solidFill>
+                <a:srgbClr val="C00000"/>
+              </a:solidFill>
+            </a:endParaRPr>
+          </a:p>
+        </p:txBody>
+      </p:sp>
+    </p:spTree>
+  </p:cSld>
+  <p:clrMapOvr>
+    <a:masterClrMapping/>
+  </p:clrMapOvr>
+</p:sld>
+</file>
+
+<file path=ppt/slides/slide2.xml><?xml version="1.0" encoding="utf-8"?>
+<p:sld xmlns:a="http://schemas.openxmlformats.org/drawingml/2006/main" xmlns:r="http://schemas.openxmlformats.org/officeDocument/2006/relationships" xmlns:p="http://schemas.openxmlformats.org/presentationml/2006/main">
+  <p:cSld>
+    <p:spTree>
+      <p:nvGrpSpPr>
+        <p:cNvPr id="1" name=""/>
+        <p:cNvGrpSpPr/>
+        <p:nvPr/>
+      </p:nvGrpSpPr>
+      <p:grpSpPr>
+        <a:xfrm>
+          <a:off x="0" y="0"/>
+          <a:ext cx="0" cy="0"/>
+          <a:chOff x="0" y="0"/>
+          <a:chExt cx="0" cy="0"/>
+        </a:xfrm>
+      </p:grpSpPr>
+      <p:sp>
+        <p:nvSpPr>
           <p:cNvPr id="5" name="矩形 4"/>
           <p:cNvSpPr/>
           <p:nvPr/>
@@ -3660,31 +3732,53 @@
           </a:p>
         </p:txBody>
       </p:sp>
-    </p:spTree>
-  </p:cSld>
-  <p:clrMapOvr>
-    <a:masterClrMapping/>
-  </p:clrMapOvr>
-</p:sld>
-</file>
-
-<file path=ppt/slides/slide2.xml><?xml version="1.0" encoding="utf-8"?>
-<p:sld xmlns:a="http://schemas.openxmlformats.org/drawingml/2006/main" xmlns:r="http://schemas.openxmlformats.org/officeDocument/2006/relationships" xmlns:p="http://schemas.openxmlformats.org/presentationml/2006/main">
-  <p:cSld>
-    <p:spTree>
-      <p:nvGrpSpPr>
-        <p:cNvPr id="1" name=""/>
-        <p:cNvGrpSpPr/>
-        <p:nvPr/>
-      </p:nvGrpSpPr>
-      <p:grpSpPr>
-        <a:xfrm>
-          <a:off x="0" y="0"/>
-          <a:ext cx="0" cy="0"/>
-          <a:chOff x="0" y="0"/>
-          <a:chExt cx="0" cy="0"/>
-        </a:xfrm>
-      </p:grpSpPr>
+      <p:sp>
+        <p:nvSpPr>
+          <p:cNvPr id="13" name="标题 12"/>
+          <p:cNvSpPr>
+            <a:spLocks noGrp="1"/>
+          </p:cNvSpPr>
+          <p:nvPr>
+            <p:ph type="title"/>
+          </p:nvPr>
+        </p:nvSpPr>
+        <p:spPr>
+          <a:xfrm>
+            <a:off x="457200" y="274638"/>
+            <a:ext cx="8229600" cy="850106"/>
+          </a:xfrm>
+          <a:blipFill>
+            <a:blip r:embed="rId2" cstate="print"/>
+            <a:tile tx="0" ty="0" sx="100000" sy="100000" flip="none" algn="tl"/>
+          </a:blipFill>
+          <a:ln w="15875">
+            <a:solidFill>
+              <a:srgbClr val="C00000"/>
+            </a:solidFill>
+          </a:ln>
+        </p:spPr>
+        <p:txBody>
+          <a:bodyPr>
+            <a:normAutofit/>
+          </a:bodyPr>
+          <a:lstStyle/>
+          <a:p>
+            <a:r>
+              <a:rPr lang="zh-CN" altLang="en-US" sz="3600" dirty="0" smtClean="0">
+                <a:solidFill>
+                  <a:srgbClr val="C00000"/>
+                </a:solidFill>
+              </a:rPr>
+              <a:t>模块设计</a:t>
+            </a:r>
+            <a:endParaRPr lang="zh-CN" altLang="en-US" sz="3600" dirty="0">
+              <a:solidFill>
+                <a:srgbClr val="C00000"/>
+              </a:solidFill>
+            </a:endParaRPr>
+          </a:p>
+        </p:txBody>
+      </p:sp>
     </p:spTree>
   </p:cSld>
   <p:clrMapOvr>
